--- a/CSS Project 1 Final.pptx
+++ b/CSS Project 1 Final.pptx
@@ -32,6 +32,7 @@
     <p:sldId id="288" r:id="rId26"/>
     <p:sldId id="281" r:id="rId27"/>
     <p:sldId id="273" r:id="rId28"/>
+    <p:sldId id="290" r:id="rId29"/>
   </p:sldIdLst>
   <p:sldSz cx="12192000" cy="6858000"/>
   <p:notesSz cx="6858000" cy="9144000"/>
@@ -142,6 +143,7 @@
 <p1510:revInfo xmlns:a="http://schemas.openxmlformats.org/drawingml/2006/main" xmlns:r="http://schemas.openxmlformats.org/officeDocument/2006/relationships" xmlns:p1510="http://schemas.microsoft.com/office/powerpoint/2015/10/main">
   <p1510:revLst>
     <p1510:client id="{5426DF51-2893-3BFE-BB54-FDCEAA222432}" v="4" dt="2023-10-19T00:11:44.514"/>
+    <p1510:client id="{A1717F97-0BBF-4A9C-9CD0-B343A62DD846}" v="53" dt="2023-10-19T00:35:13.527"/>
   </p1510:revLst>
 </p1510:revInfo>
 </file>
@@ -10596,6 +10598,155 @@
 </p:sld>
 </file>
 
+<file path=ppt/slides/slide28.xml><?xml version="1.0" encoding="utf-8"?>
+<p:sld xmlns:a="http://schemas.openxmlformats.org/drawingml/2006/main" xmlns:r="http://schemas.openxmlformats.org/officeDocument/2006/relationships" xmlns:p="http://schemas.openxmlformats.org/presentationml/2006/main">
+  <p:cSld>
+    <p:spTree>
+      <p:nvGrpSpPr>
+        <p:cNvPr id="1" name=""/>
+        <p:cNvGrpSpPr/>
+        <p:nvPr/>
+      </p:nvGrpSpPr>
+      <p:grpSpPr>
+        <a:xfrm>
+          <a:off x="0" y="0"/>
+          <a:ext cx="0" cy="0"/>
+          <a:chOff x="0" y="0"/>
+          <a:chExt cx="0" cy="0"/>
+        </a:xfrm>
+      </p:grpSpPr>
+      <p:sp>
+        <p:nvSpPr>
+          <p:cNvPr id="2" name="Title 1">
+            <a:extLst>
+              <a:ext uri="{FF2B5EF4-FFF2-40B4-BE49-F238E27FC236}">
+                <a16:creationId xmlns:a16="http://schemas.microsoft.com/office/drawing/2014/main" id="{5C85ADC2-E060-332B-E985-7BA21BCA79E2}"/>
+              </a:ext>
+            </a:extLst>
+          </p:cNvPr>
+          <p:cNvSpPr>
+            <a:spLocks noGrp="1"/>
+          </p:cNvSpPr>
+          <p:nvPr>
+            <p:ph type="title"/>
+          </p:nvPr>
+        </p:nvSpPr>
+        <p:spPr/>
+        <p:txBody>
+          <a:bodyPr/>
+          <a:lstStyle/>
+          <a:p>
+            <a:r>
+              <a:rPr lang="en-US" dirty="0">
+                <a:cs typeface="Calibri Light"/>
+              </a:rPr>
+              <a:t>Required Links:</a:t>
+            </a:r>
+            <a:endParaRPr lang="en-US" dirty="0"/>
+          </a:p>
+        </p:txBody>
+      </p:sp>
+      <p:sp>
+        <p:nvSpPr>
+          <p:cNvPr id="3" name="Content Placeholder 2">
+            <a:extLst>
+              <a:ext uri="{FF2B5EF4-FFF2-40B4-BE49-F238E27FC236}">
+                <a16:creationId xmlns:a16="http://schemas.microsoft.com/office/drawing/2014/main" id="{29A666A7-D7E1-94E2-1208-231FFFE6E509}"/>
+              </a:ext>
+            </a:extLst>
+          </p:cNvPr>
+          <p:cNvSpPr>
+            <a:spLocks noGrp="1"/>
+          </p:cNvSpPr>
+          <p:nvPr>
+            <p:ph idx="1"/>
+          </p:nvPr>
+        </p:nvSpPr>
+        <p:spPr/>
+        <p:txBody>
+          <a:bodyPr vert="horz" lIns="91440" tIns="45720" rIns="91440" bIns="45720" rtlCol="0" anchor="t">
+            <a:normAutofit/>
+          </a:bodyPr>
+          <a:lstStyle/>
+          <a:p>
+            <a:r>
+              <a:rPr lang="en-US" dirty="0">
+                <a:cs typeface="Calibri"/>
+              </a:rPr>
+              <a:t>Presentation: </a:t>
+            </a:r>
+            <a:r>
+              <a:rPr lang="en-US" dirty="0">
+                <a:ea typeface="+mn-lt"/>
+                <a:cs typeface="+mn-lt"/>
+                <a:hlinkClick r:id="rId2"/>
+              </a:rPr>
+              <a:t>https://youtu.be/fvSCaxGHSpI</a:t>
+            </a:r>
+            <a:endParaRPr lang="en-US">
+              <a:ea typeface="+mn-lt"/>
+              <a:cs typeface="+mn-lt"/>
+            </a:endParaRPr>
+          </a:p>
+          <a:p>
+            <a:r>
+              <a:rPr lang="en-US" dirty="0">
+                <a:ea typeface="+mn-lt"/>
+                <a:cs typeface="+mn-lt"/>
+              </a:rPr>
+              <a:t>CODD: </a:t>
+            </a:r>
+            <a:r>
+              <a:rPr lang="en-US" dirty="0">
+                <a:ea typeface="+mn-lt"/>
+                <a:cs typeface="+mn-lt"/>
+                <a:hlinkClick r:id="rId3"/>
+              </a:rPr>
+              <a:t>https://codd.cs.gsu.edu/~jsumlin3/WP/PW/1/main-menu.html</a:t>
+            </a:r>
+            <a:endParaRPr lang="en-US" dirty="0">
+              <a:ea typeface="+mn-lt"/>
+              <a:cs typeface="+mn-lt"/>
+            </a:endParaRPr>
+          </a:p>
+          <a:p>
+            <a:r>
+              <a:rPr lang="en-US" dirty="0">
+                <a:ea typeface="+mn-lt"/>
+                <a:cs typeface="+mn-lt"/>
+              </a:rPr>
+              <a:t>GitHub: </a:t>
+            </a:r>
+            <a:r>
+              <a:rPr lang="en-US" dirty="0">
+                <a:ea typeface="+mn-lt"/>
+                <a:cs typeface="+mn-lt"/>
+                <a:hlinkClick r:id="rId4"/>
+              </a:rPr>
+              <a:t>https://github.com/JSumlin/Web-Project-1</a:t>
+            </a:r>
+          </a:p>
+          <a:p>
+            <a:endParaRPr lang="en-US" dirty="0">
+              <a:ea typeface="+mn-lt"/>
+              <a:cs typeface="+mn-lt"/>
+            </a:endParaRPr>
+          </a:p>
+        </p:txBody>
+      </p:sp>
+    </p:spTree>
+    <p:extLst>
+      <p:ext uri="{BB962C8B-B14F-4D97-AF65-F5344CB8AC3E}">
+        <p14:creationId xmlns:p14="http://schemas.microsoft.com/office/powerpoint/2010/main" val="2025398794"/>
+      </p:ext>
+    </p:extLst>
+  </p:cSld>
+  <p:clrMapOvr>
+    <a:masterClrMapping/>
+  </p:clrMapOvr>
+</p:sld>
+</file>
+
 <file path=ppt/slides/slide3.xml><?xml version="1.0" encoding="utf-8"?>
 <p:sld xmlns:a="http://schemas.openxmlformats.org/drawingml/2006/main" xmlns:r="http://schemas.openxmlformats.org/officeDocument/2006/relationships" xmlns:p="http://schemas.openxmlformats.org/presentationml/2006/main">
   <p:cSld>
